--- a/ppt/python_ppt/Python OCR.pptx
+++ b/ppt/python_ppt/Python OCR.pptx
@@ -5,7 +5,7 @@
     <p:sldMasterId id="2147483648" r:id="rId1"/>
   </p:sldMasterIdLst>
   <p:notesMasterIdLst>
-    <p:notesMasterId r:id="rId12"/>
+    <p:notesMasterId r:id="rId18"/>
   </p:notesMasterIdLst>
   <p:sldIdLst>
     <p:sldId id="256" r:id="rId2"/>
@@ -18,6 +18,12 @@
     <p:sldId id="385" r:id="rId9"/>
     <p:sldId id="386" r:id="rId10"/>
     <p:sldId id="388" r:id="rId11"/>
+    <p:sldId id="391" r:id="rId12"/>
+    <p:sldId id="389" r:id="rId13"/>
+    <p:sldId id="390" r:id="rId14"/>
+    <p:sldId id="392" r:id="rId15"/>
+    <p:sldId id="393" r:id="rId16"/>
+    <p:sldId id="394" r:id="rId17"/>
   </p:sldIdLst>
   <p:sldSz cx="9906000" cy="6858000" type="A4"/>
   <p:notesSz cx="6858000" cy="9144000"/>
@@ -217,7 +223,7 @@
           <a:p>
             <a:fld id="{7665CDAC-D627-4E87-877A-1B781DD4CADC}" type="datetimeFigureOut">
               <a:rPr lang="ko-KR" altLang="en-US" smtClean="0"/>
-              <a:t>2023-05-20</a:t>
+              <a:t>2023-05-30</a:t>
             </a:fld>
             <a:endParaRPr lang="ko-KR" altLang="en-US"/>
           </a:p>
@@ -629,7 +635,7 @@
           <a:p>
             <a:fld id="{C25BCFD5-C4DF-4EBC-B718-C69ED2FBDE6F}" type="datetime1">
               <a:rPr lang="ko-KR" altLang="en-US" smtClean="0"/>
-              <a:t>2023-05-20</a:t>
+              <a:t>2023-05-30</a:t>
             </a:fld>
             <a:endParaRPr lang="ko-KR" altLang="en-US"/>
           </a:p>
@@ -1080,7 +1086,7 @@
           <a:p>
             <a:fld id="{AB448CD7-D367-43D5-B461-ACE552E75063}" type="datetime1">
               <a:rPr lang="ko-KR" altLang="en-US" smtClean="0"/>
-              <a:t>2023-05-20</a:t>
+              <a:t>2023-05-30</a:t>
             </a:fld>
             <a:endParaRPr lang="ko-KR" altLang="en-US"/>
           </a:p>
@@ -1258,7 +1264,7 @@
           <a:p>
             <a:fld id="{B6E49E79-7361-4780-8BEF-7EDE3708298A}" type="datetime1">
               <a:rPr lang="ko-KR" altLang="en-US" smtClean="0"/>
-              <a:t>2023-05-20</a:t>
+              <a:t>2023-05-30</a:t>
             </a:fld>
             <a:endParaRPr lang="ko-KR" altLang="en-US"/>
           </a:p>
@@ -1430,7 +1436,7 @@
           <a:p>
             <a:fld id="{A4D42E3C-B70B-437C-85CF-1286301B9CBA}" type="datetime1">
               <a:rPr lang="ko-KR" altLang="en-US" smtClean="0"/>
-              <a:t>2023-05-20</a:t>
+              <a:t>2023-05-30</a:t>
             </a:fld>
             <a:endParaRPr lang="ko-KR" altLang="en-US"/>
           </a:p>
@@ -1682,7 +1688,7 @@
           <a:p>
             <a:fld id="{B3369A20-5B3D-4D98-A822-26B93D177A40}" type="datetime1">
               <a:rPr lang="ko-KR" altLang="en-US" smtClean="0"/>
-              <a:t>2023-05-20</a:t>
+              <a:t>2023-05-30</a:t>
             </a:fld>
             <a:endParaRPr lang="ko-KR" altLang="en-US"/>
           </a:p>
@@ -1967,7 +1973,7 @@
           <a:p>
             <a:fld id="{685CD4CE-9E43-4F70-A9D8-A2130CA7D92A}" type="datetime1">
               <a:rPr lang="ko-KR" altLang="en-US" smtClean="0"/>
-              <a:t>2023-05-20</a:t>
+              <a:t>2023-05-30</a:t>
             </a:fld>
             <a:endParaRPr lang="ko-KR" altLang="en-US"/>
           </a:p>
@@ -2393,7 +2399,7 @@
           <a:p>
             <a:fld id="{F752BD92-DA3E-4A0B-90C9-7DE5E15B6E96}" type="datetime1">
               <a:rPr lang="ko-KR" altLang="en-US" smtClean="0"/>
-              <a:t>2023-05-20</a:t>
+              <a:t>2023-05-30</a:t>
             </a:fld>
             <a:endParaRPr lang="ko-KR" altLang="en-US"/>
           </a:p>
@@ -2517,7 +2523,7 @@
           <a:p>
             <a:fld id="{8EA2B83A-F366-424E-B742-340ACF856BB5}" type="datetime1">
               <a:rPr lang="ko-KR" altLang="en-US" smtClean="0"/>
-              <a:t>2023-05-20</a:t>
+              <a:t>2023-05-30</a:t>
             </a:fld>
             <a:endParaRPr lang="ko-KR" altLang="en-US"/>
           </a:p>
@@ -2612,7 +2618,7 @@
           <a:p>
             <a:fld id="{9A49D68B-5DBD-48E9-A8D4-FCBC4B3DD9C6}" type="datetime1">
               <a:rPr lang="ko-KR" altLang="en-US" smtClean="0"/>
-              <a:t>2023-05-20</a:t>
+              <a:t>2023-05-30</a:t>
             </a:fld>
             <a:endParaRPr lang="ko-KR" altLang="en-US"/>
           </a:p>
@@ -2887,7 +2893,7 @@
           <a:p>
             <a:fld id="{4CAB534F-7D16-467B-9320-91F98915D181}" type="datetime1">
               <a:rPr lang="ko-KR" altLang="en-US" smtClean="0"/>
-              <a:t>2023-05-20</a:t>
+              <a:t>2023-05-30</a:t>
             </a:fld>
             <a:endParaRPr lang="ko-KR" altLang="en-US"/>
           </a:p>
@@ -3139,7 +3145,7 @@
           <a:p>
             <a:fld id="{A390A91F-2F8D-4486-A69D-D680F95444B0}" type="datetime1">
               <a:rPr lang="ko-KR" altLang="en-US" smtClean="0"/>
-              <a:t>2023-05-20</a:t>
+              <a:t>2023-05-30</a:t>
             </a:fld>
             <a:endParaRPr lang="ko-KR" altLang="en-US"/>
           </a:p>
@@ -3318,7 +3324,7 @@
           <a:p>
             <a:fld id="{2238BBEA-E8DD-414A-BF68-FC2AFA7CFF2D}" type="datetime1">
               <a:rPr lang="ko-KR" altLang="en-US" smtClean="0"/>
-              <a:t>2023-05-20</a:t>
+              <a:t>2023-05-30</a:t>
             </a:fld>
             <a:endParaRPr lang="ko-KR" altLang="en-US"/>
           </a:p>
@@ -4120,15 +4126,7 @@
                   <a:schemeClr val="tx1"/>
                 </a:solidFill>
               </a:rPr>
-              <a:t>python </a:t>
-            </a:r>
-            <a:r>
-              <a:rPr lang="en-US" altLang="ko-KR" sz="3600" b="1" dirty="0" smtClean="0">
-                <a:solidFill>
-                  <a:schemeClr val="tx1"/>
-                </a:solidFill>
-              </a:rPr>
-              <a:t>OCR </a:t>
+              <a:t>python OCR </a:t>
             </a:r>
             <a:r>
               <a:rPr lang="ko-KR" altLang="en-US" sz="3600" b="1" dirty="0" smtClean="0">
@@ -4239,11 +4237,7 @@
           <a:p>
             <a:r>
               <a:rPr lang="en-US" altLang="ko-KR" dirty="0"/>
-              <a:t> </a:t>
-            </a:r>
-            <a:r>
-              <a:rPr lang="en-US" altLang="ko-KR" dirty="0"/>
-              <a:t>Tesseract - OCR </a:t>
+              <a:t> Tesseract - OCR </a:t>
             </a:r>
             <a:endParaRPr lang="ko-KR" altLang="en-US" dirty="0"/>
           </a:p>
@@ -4331,10 +4325,6 @@
               </a:rPr>
               <a:t>old.txt</a:t>
             </a:r>
-            <a:endParaRPr lang="en-US" altLang="ko-KR" sz="2000" dirty="0" smtClean="0">
-              <a:latin typeface="휴먼엑스포" panose="02030504000101010101" pitchFamily="18" charset="-127"/>
-              <a:ea typeface="휴먼엑스포" panose="02030504000101010101" pitchFamily="18" charset="-127"/>
-            </a:endParaRPr>
           </a:p>
         </p:txBody>
       </p:sp>
@@ -4360,8 +4350,8 @@
         </p:blipFill>
         <p:spPr>
           <a:xfrm>
-            <a:off x="1352600" y="1988080"/>
-            <a:ext cx="6271803" cy="3360711"/>
+            <a:off x="1424609" y="1988841"/>
+            <a:ext cx="5544616" cy="2971052"/>
           </a:xfrm>
           <a:prstGeom prst="rect">
             <a:avLst/>
@@ -4395,6 +4385,1580 @@
 </p:sld>
 </file>
 
+<file path=ppt/slides/slide11.xml><?xml version="1.0" encoding="utf-8"?>
+<p:sld xmlns:a="http://schemas.openxmlformats.org/drawingml/2006/main" xmlns:r="http://schemas.openxmlformats.org/officeDocument/2006/relationships" xmlns:p="http://schemas.openxmlformats.org/presentationml/2006/main">
+  <p:cSld>
+    <p:spTree>
+      <p:nvGrpSpPr>
+        <p:cNvPr id="1" name=""/>
+        <p:cNvGrpSpPr/>
+        <p:nvPr/>
+      </p:nvGrpSpPr>
+      <p:grpSpPr>
+        <a:xfrm>
+          <a:off x="0" y="0"/>
+          <a:ext cx="0" cy="0"/>
+          <a:chOff x="0" y="0"/>
+          <a:chExt cx="0" cy="0"/>
+        </a:xfrm>
+      </p:grpSpPr>
+      <p:sp>
+        <p:nvSpPr>
+          <p:cNvPr id="2" name="제목 1"/>
+          <p:cNvSpPr>
+            <a:spLocks noGrp="1"/>
+          </p:cNvSpPr>
+          <p:nvPr>
+            <p:ph type="title"/>
+          </p:nvPr>
+        </p:nvSpPr>
+        <p:spPr/>
+        <p:txBody>
+          <a:bodyPr/>
+          <a:lstStyle/>
+          <a:p>
+            <a:r>
+              <a:rPr lang="en-US" altLang="ko-KR" dirty="0"/>
+              <a:t> Tesseract - OCR </a:t>
+            </a:r>
+            <a:endParaRPr lang="ko-KR" altLang="en-US" dirty="0"/>
+          </a:p>
+        </p:txBody>
+      </p:sp>
+      <p:sp>
+        <p:nvSpPr>
+          <p:cNvPr id="4" name="슬라이드 번호 개체 틀 3"/>
+          <p:cNvSpPr>
+            <a:spLocks noGrp="1"/>
+          </p:cNvSpPr>
+          <p:nvPr>
+            <p:ph type="sldNum" sz="quarter" idx="12"/>
+          </p:nvPr>
+        </p:nvSpPr>
+        <p:spPr/>
+        <p:txBody>
+          <a:bodyPr/>
+          <a:lstStyle/>
+          <a:p>
+            <a:fld id="{1BDE3FE7-3AEA-4B05-AC5A-802D1816ACF0}" type="slidenum">
+              <a:rPr lang="ko-KR" altLang="en-US" smtClean="0"/>
+              <a:t>11</a:t>
+            </a:fld>
+            <a:endParaRPr lang="ko-KR" altLang="en-US"/>
+          </a:p>
+        </p:txBody>
+      </p:sp>
+      <p:sp>
+        <p:nvSpPr>
+          <p:cNvPr id="26" name="TextBox 25"/>
+          <p:cNvSpPr txBox="1"/>
+          <p:nvPr/>
+        </p:nvSpPr>
+        <p:spPr>
+          <a:xfrm>
+            <a:off x="992560" y="1268760"/>
+            <a:ext cx="5280670" cy="509178"/>
+          </a:xfrm>
+          <a:prstGeom prst="rect">
+            <a:avLst/>
+          </a:prstGeom>
+          <a:ln>
+            <a:noFill/>
+          </a:ln>
+        </p:spPr>
+        <p:style>
+          <a:lnRef idx="2">
+            <a:schemeClr val="dk1"/>
+          </a:lnRef>
+          <a:fillRef idx="1">
+            <a:schemeClr val="lt1"/>
+          </a:fillRef>
+          <a:effectRef idx="0">
+            <a:schemeClr val="dk1"/>
+          </a:effectRef>
+          <a:fontRef idx="minor">
+            <a:schemeClr val="dk1"/>
+          </a:fontRef>
+        </p:style>
+        <p:txBody>
+          <a:bodyPr wrap="square" rtlCol="0">
+            <a:spAutoFit/>
+          </a:bodyPr>
+          <a:lstStyle/>
+          <a:p>
+            <a:pPr marL="342900" indent="-342900">
+              <a:lnSpc>
+                <a:spcPct val="150000"/>
+              </a:lnSpc>
+              <a:buFont typeface="Wingdings" panose="05000000000000000000" pitchFamily="2" charset="2"/>
+              <a:buChar char="u"/>
+            </a:pPr>
+            <a:r>
+              <a:rPr lang="ko-KR" altLang="en-US" sz="2000" dirty="0" smtClean="0">
+                <a:latin typeface="휴먼엑스포" panose="02030504000101010101" pitchFamily="18" charset="-127"/>
+                <a:ea typeface="휴먼엑스포" panose="02030504000101010101" pitchFamily="18" charset="-127"/>
+              </a:rPr>
+              <a:t>영수증</a:t>
+            </a:r>
+            <a:endParaRPr lang="en-US" altLang="ko-KR" sz="2000" dirty="0" smtClean="0">
+              <a:latin typeface="휴먼엑스포" panose="02030504000101010101" pitchFamily="18" charset="-127"/>
+              <a:ea typeface="휴먼엑스포" panose="02030504000101010101" pitchFamily="18" charset="-127"/>
+            </a:endParaRPr>
+          </a:p>
+        </p:txBody>
+      </p:sp>
+      <p:pic>
+        <p:nvPicPr>
+          <p:cNvPr id="3" name="그림 2"/>
+          <p:cNvPicPr>
+            <a:picLocks noChangeAspect="1"/>
+          </p:cNvPicPr>
+          <p:nvPr/>
+        </p:nvPicPr>
+        <p:blipFill>
+          <a:blip r:embed="rId2">
+            <a:extLst>
+              <a:ext uri="{28A0092B-C50C-407E-A947-70E740481C1C}">
+                <a14:useLocalDpi xmlns:a14="http://schemas.microsoft.com/office/drawing/2010/main" val="0"/>
+              </a:ext>
+            </a:extLst>
+          </a:blip>
+          <a:stretch>
+            <a:fillRect/>
+          </a:stretch>
+        </p:blipFill>
+        <p:spPr>
+          <a:xfrm>
+            <a:off x="1640632" y="1968810"/>
+            <a:ext cx="3096344" cy="4435987"/>
+          </a:xfrm>
+          <a:prstGeom prst="rect">
+            <a:avLst/>
+          </a:prstGeom>
+          <a:ln>
+            <a:solidFill>
+              <a:schemeClr val="bg1">
+                <a:lumMod val="85000"/>
+              </a:schemeClr>
+            </a:solidFill>
+          </a:ln>
+        </p:spPr>
+      </p:pic>
+      <p:pic>
+        <p:nvPicPr>
+          <p:cNvPr id="6" name="그림 5"/>
+          <p:cNvPicPr>
+            <a:picLocks noChangeAspect="1"/>
+          </p:cNvPicPr>
+          <p:nvPr/>
+        </p:nvPicPr>
+        <p:blipFill>
+          <a:blip r:embed="rId3">
+            <a:extLst>
+              <a:ext uri="{28A0092B-C50C-407E-A947-70E740481C1C}">
+                <a14:useLocalDpi xmlns:a14="http://schemas.microsoft.com/office/drawing/2010/main" val="0"/>
+              </a:ext>
+            </a:extLst>
+          </a:blip>
+          <a:stretch>
+            <a:fillRect/>
+          </a:stretch>
+        </p:blipFill>
+        <p:spPr>
+          <a:xfrm>
+            <a:off x="5182974" y="2015058"/>
+            <a:ext cx="3292603" cy="4176139"/>
+          </a:xfrm>
+          <a:prstGeom prst="rect">
+            <a:avLst/>
+          </a:prstGeom>
+          <a:ln>
+            <a:solidFill>
+              <a:schemeClr val="bg1">
+                <a:lumMod val="85000"/>
+              </a:schemeClr>
+            </a:solidFill>
+          </a:ln>
+        </p:spPr>
+      </p:pic>
+    </p:spTree>
+    <p:extLst>
+      <p:ext uri="{BB962C8B-B14F-4D97-AF65-F5344CB8AC3E}">
+        <p14:creationId xmlns:p14="http://schemas.microsoft.com/office/powerpoint/2010/main" val="1190470184"/>
+      </p:ext>
+    </p:extLst>
+  </p:cSld>
+  <p:clrMapOvr>
+    <a:masterClrMapping/>
+  </p:clrMapOvr>
+  <p:timing>
+    <p:tnLst>
+      <p:par>
+        <p:cTn id="1" dur="indefinite" restart="never" nodeType="tmRoot"/>
+      </p:par>
+    </p:tnLst>
+  </p:timing>
+</p:sld>
+</file>
+
+<file path=ppt/slides/slide12.xml><?xml version="1.0" encoding="utf-8"?>
+<p:sld xmlns:a="http://schemas.openxmlformats.org/drawingml/2006/main" xmlns:r="http://schemas.openxmlformats.org/officeDocument/2006/relationships" xmlns:p="http://schemas.openxmlformats.org/presentationml/2006/main">
+  <p:cSld>
+    <p:spTree>
+      <p:nvGrpSpPr>
+        <p:cNvPr id="1" name=""/>
+        <p:cNvGrpSpPr/>
+        <p:nvPr/>
+      </p:nvGrpSpPr>
+      <p:grpSpPr>
+        <a:xfrm>
+          <a:off x="0" y="0"/>
+          <a:ext cx="0" cy="0"/>
+          <a:chOff x="0" y="0"/>
+          <a:chExt cx="0" cy="0"/>
+        </a:xfrm>
+      </p:grpSpPr>
+      <p:sp>
+        <p:nvSpPr>
+          <p:cNvPr id="2" name="제목 1"/>
+          <p:cNvSpPr>
+            <a:spLocks noGrp="1"/>
+          </p:cNvSpPr>
+          <p:nvPr>
+            <p:ph type="title"/>
+          </p:nvPr>
+        </p:nvSpPr>
+        <p:spPr/>
+        <p:txBody>
+          <a:bodyPr/>
+          <a:lstStyle/>
+          <a:p>
+            <a:r>
+              <a:rPr lang="en-US" altLang="ko-KR" dirty="0"/>
+              <a:t> </a:t>
+            </a:r>
+            <a:r>
+              <a:rPr lang="en-US" altLang="ko-KR" dirty="0" err="1" smtClean="0"/>
+              <a:t>OpenCV</a:t>
+            </a:r>
+            <a:r>
+              <a:rPr lang="en-US" altLang="ko-KR" dirty="0" smtClean="0"/>
+              <a:t> </a:t>
+            </a:r>
+            <a:endParaRPr lang="ko-KR" altLang="en-US" dirty="0"/>
+          </a:p>
+        </p:txBody>
+      </p:sp>
+      <p:sp>
+        <p:nvSpPr>
+          <p:cNvPr id="4" name="슬라이드 번호 개체 틀 3"/>
+          <p:cNvSpPr>
+            <a:spLocks noGrp="1"/>
+          </p:cNvSpPr>
+          <p:nvPr>
+            <p:ph type="sldNum" sz="quarter" idx="12"/>
+          </p:nvPr>
+        </p:nvSpPr>
+        <p:spPr/>
+        <p:txBody>
+          <a:bodyPr/>
+          <a:lstStyle/>
+          <a:p>
+            <a:fld id="{1BDE3FE7-3AEA-4B05-AC5A-802D1816ACF0}" type="slidenum">
+              <a:rPr lang="ko-KR" altLang="en-US" smtClean="0"/>
+              <a:t>12</a:t>
+            </a:fld>
+            <a:endParaRPr lang="ko-KR" altLang="en-US"/>
+          </a:p>
+        </p:txBody>
+      </p:sp>
+      <p:sp>
+        <p:nvSpPr>
+          <p:cNvPr id="26" name="TextBox 25"/>
+          <p:cNvSpPr txBox="1"/>
+          <p:nvPr/>
+        </p:nvSpPr>
+        <p:spPr>
+          <a:xfrm>
+            <a:off x="992560" y="1268760"/>
+            <a:ext cx="5280670" cy="509178"/>
+          </a:xfrm>
+          <a:prstGeom prst="rect">
+            <a:avLst/>
+          </a:prstGeom>
+          <a:ln>
+            <a:noFill/>
+          </a:ln>
+        </p:spPr>
+        <p:style>
+          <a:lnRef idx="2">
+            <a:schemeClr val="dk1"/>
+          </a:lnRef>
+          <a:fillRef idx="1">
+            <a:schemeClr val="lt1"/>
+          </a:fillRef>
+          <a:effectRef idx="0">
+            <a:schemeClr val="dk1"/>
+          </a:effectRef>
+          <a:fontRef idx="minor">
+            <a:schemeClr val="dk1"/>
+          </a:fontRef>
+        </p:style>
+        <p:txBody>
+          <a:bodyPr wrap="square" rtlCol="0">
+            <a:spAutoFit/>
+          </a:bodyPr>
+          <a:lstStyle/>
+          <a:p>
+            <a:pPr marL="342900" indent="-342900">
+              <a:lnSpc>
+                <a:spcPct val="150000"/>
+              </a:lnSpc>
+              <a:buFont typeface="Wingdings" panose="05000000000000000000" pitchFamily="2" charset="2"/>
+              <a:buChar char="l"/>
+            </a:pPr>
+            <a:r>
+              <a:rPr lang="en-US" altLang="ko-KR" sz="2000" dirty="0" err="1" smtClean="0">
+                <a:latin typeface="휴먼엑스포" panose="02030504000101010101" pitchFamily="18" charset="-127"/>
+                <a:ea typeface="휴먼엑스포" panose="02030504000101010101" pitchFamily="18" charset="-127"/>
+              </a:rPr>
+              <a:t>OpenCV</a:t>
+            </a:r>
+            <a:r>
+              <a:rPr lang="en-US" altLang="ko-KR" sz="2000" dirty="0" smtClean="0">
+                <a:latin typeface="휴먼엑스포" panose="02030504000101010101" pitchFamily="18" charset="-127"/>
+                <a:ea typeface="휴먼엑스포" panose="02030504000101010101" pitchFamily="18" charset="-127"/>
+              </a:rPr>
+              <a:t> </a:t>
+            </a:r>
+            <a:r>
+              <a:rPr lang="ko-KR" altLang="en-US" sz="2000" dirty="0" smtClean="0">
+                <a:latin typeface="휴먼엑스포" panose="02030504000101010101" pitchFamily="18" charset="-127"/>
+                <a:ea typeface="휴먼엑스포" panose="02030504000101010101" pitchFamily="18" charset="-127"/>
+              </a:rPr>
+              <a:t>사용법</a:t>
+            </a:r>
+            <a:endParaRPr lang="en-US" altLang="ko-KR" sz="2000" dirty="0" smtClean="0">
+              <a:latin typeface="휴먼엑스포" panose="02030504000101010101" pitchFamily="18" charset="-127"/>
+              <a:ea typeface="휴먼엑스포" panose="02030504000101010101" pitchFamily="18" charset="-127"/>
+            </a:endParaRPr>
+          </a:p>
+        </p:txBody>
+      </p:sp>
+      <p:sp>
+        <p:nvSpPr>
+          <p:cNvPr id="6" name="직사각형 5"/>
+          <p:cNvSpPr/>
+          <p:nvPr/>
+        </p:nvSpPr>
+        <p:spPr>
+          <a:xfrm>
+            <a:off x="1334685" y="1956553"/>
+            <a:ext cx="6473247" cy="365675"/>
+          </a:xfrm>
+          <a:prstGeom prst="rect">
+            <a:avLst/>
+          </a:prstGeom>
+        </p:spPr>
+        <p:txBody>
+          <a:bodyPr wrap="none">
+            <a:spAutoFit/>
+          </a:bodyPr>
+          <a:lstStyle/>
+          <a:p>
+            <a:r>
+              <a:rPr lang="en-US" altLang="ko-KR" dirty="0" smtClean="0"/>
+              <a:t>- </a:t>
+            </a:r>
+            <a:r>
+              <a:rPr lang="ko-KR" altLang="en-US" dirty="0" smtClean="0"/>
+              <a:t>영상 처리와 컴퓨터 비전을 위한 오픈 소스 라이브러리이다</a:t>
+            </a:r>
+            <a:r>
+              <a:rPr lang="en-US" altLang="ko-KR" dirty="0" smtClean="0"/>
+              <a:t>.</a:t>
+            </a:r>
+            <a:endParaRPr lang="ko-KR" altLang="en-US" dirty="0"/>
+          </a:p>
+        </p:txBody>
+      </p:sp>
+      <p:sp>
+        <p:nvSpPr>
+          <p:cNvPr id="7" name="TextBox 6"/>
+          <p:cNvSpPr txBox="1"/>
+          <p:nvPr/>
+        </p:nvSpPr>
+        <p:spPr>
+          <a:xfrm>
+            <a:off x="1341446" y="2520580"/>
+            <a:ext cx="4019168" cy="954107"/>
+          </a:xfrm>
+          <a:prstGeom prst="rect">
+            <a:avLst/>
+          </a:prstGeom>
+          <a:noFill/>
+        </p:spPr>
+        <p:txBody>
+          <a:bodyPr wrap="square" rtlCol="0">
+            <a:spAutoFit/>
+          </a:bodyPr>
+          <a:lstStyle/>
+          <a:p>
+            <a:pPr marL="285750" indent="-285750">
+              <a:buFontTx/>
+              <a:buChar char="-"/>
+            </a:pPr>
+            <a:r>
+              <a:rPr lang="ko-KR" altLang="en-US" b="1" dirty="0" smtClean="0"/>
+              <a:t>설치</a:t>
+            </a:r>
+            <a:endParaRPr lang="en-US" altLang="ko-KR" b="1" dirty="0" smtClean="0"/>
+          </a:p>
+          <a:p>
+            <a:endParaRPr lang="en-US" altLang="ko-KR" b="1" dirty="0" smtClean="0">
+              <a:solidFill>
+                <a:srgbClr val="C00000"/>
+              </a:solidFill>
+            </a:endParaRPr>
+          </a:p>
+          <a:p>
+            <a:r>
+              <a:rPr lang="en-US" altLang="ko-KR" b="1" dirty="0" smtClean="0">
+                <a:solidFill>
+                  <a:srgbClr val="C00000"/>
+                </a:solidFill>
+              </a:rPr>
+              <a:t>    </a:t>
+            </a:r>
+            <a:r>
+              <a:rPr lang="en-US" altLang="ko-KR" sz="2000" b="1" dirty="0" smtClean="0">
+                <a:solidFill>
+                  <a:srgbClr val="C00000"/>
+                </a:solidFill>
+              </a:rPr>
+              <a:t>pip install </a:t>
+            </a:r>
+            <a:r>
+              <a:rPr lang="en-US" altLang="ko-KR" sz="2000" b="1" dirty="0" err="1" smtClean="0">
+                <a:solidFill>
+                  <a:srgbClr val="C00000"/>
+                </a:solidFill>
+              </a:rPr>
+              <a:t>opencv</a:t>
+            </a:r>
+            <a:r>
+              <a:rPr lang="en-US" altLang="ko-KR" sz="2000" b="1" dirty="0" smtClean="0">
+                <a:solidFill>
+                  <a:srgbClr val="C00000"/>
+                </a:solidFill>
+              </a:rPr>
+              <a:t>-python</a:t>
+            </a:r>
+            <a:endParaRPr lang="ko-KR" altLang="en-US" sz="2000" b="1" dirty="0">
+              <a:solidFill>
+                <a:srgbClr val="C00000"/>
+              </a:solidFill>
+            </a:endParaRPr>
+          </a:p>
+        </p:txBody>
+      </p:sp>
+      <p:sp>
+        <p:nvSpPr>
+          <p:cNvPr id="8" name="직사각형 7"/>
+          <p:cNvSpPr/>
+          <p:nvPr/>
+        </p:nvSpPr>
+        <p:spPr>
+          <a:xfrm>
+            <a:off x="1323800" y="3677830"/>
+            <a:ext cx="8010804" cy="2215991"/>
+          </a:xfrm>
+          <a:prstGeom prst="rect">
+            <a:avLst/>
+          </a:prstGeom>
+        </p:spPr>
+        <p:txBody>
+          <a:bodyPr wrap="square">
+            <a:spAutoFit/>
+          </a:bodyPr>
+          <a:lstStyle/>
+          <a:p>
+            <a:pPr marL="285750" indent="-285750">
+              <a:lnSpc>
+                <a:spcPct val="150000"/>
+              </a:lnSpc>
+              <a:buFontTx/>
+              <a:buChar char="-"/>
+            </a:pPr>
+            <a:r>
+              <a:rPr lang="ko-KR" altLang="en-US" dirty="0" smtClean="0"/>
+              <a:t>이미지 읽기</a:t>
+            </a:r>
+            <a:r>
+              <a:rPr lang="en-US" altLang="ko-KR" dirty="0" smtClean="0"/>
+              <a:t>.</a:t>
+            </a:r>
+          </a:p>
+          <a:p>
+            <a:pPr>
+              <a:lnSpc>
+                <a:spcPct val="150000"/>
+              </a:lnSpc>
+            </a:pPr>
+            <a:r>
+              <a:rPr lang="en-US" altLang="ko-KR" dirty="0" smtClean="0"/>
+              <a:t>    </a:t>
+            </a:r>
+            <a:r>
+              <a:rPr lang="en-US" altLang="ko-KR" sz="2000" b="1" dirty="0" smtClean="0"/>
+              <a:t>cv2.imread(file, flag)</a:t>
+            </a:r>
+            <a:endParaRPr lang="en-US" altLang="ko-KR" b="1" dirty="0" smtClean="0"/>
+          </a:p>
+          <a:p>
+            <a:pPr>
+              <a:lnSpc>
+                <a:spcPct val="150000"/>
+              </a:lnSpc>
+            </a:pPr>
+            <a:r>
+              <a:rPr lang="en-US" altLang="ko-KR" dirty="0"/>
+              <a:t> </a:t>
+            </a:r>
+            <a:r>
+              <a:rPr lang="en-US" altLang="ko-KR" dirty="0" smtClean="0"/>
+              <a:t> IMREAD_COLOR : </a:t>
+            </a:r>
+            <a:r>
+              <a:rPr lang="ko-KR" altLang="en-US" dirty="0" smtClean="0"/>
+              <a:t>이미지를 </a:t>
+            </a:r>
+            <a:r>
+              <a:rPr lang="en-US" altLang="ko-KR" dirty="0" smtClean="0"/>
+              <a:t>Color</a:t>
+            </a:r>
+            <a:r>
+              <a:rPr lang="ko-KR" altLang="en-US" dirty="0" smtClean="0"/>
+              <a:t>로 읽음</a:t>
+            </a:r>
+            <a:r>
+              <a:rPr lang="en-US" altLang="ko-KR" dirty="0" smtClean="0"/>
+              <a:t>, </a:t>
+            </a:r>
+            <a:r>
+              <a:rPr lang="ko-KR" altLang="en-US" dirty="0" smtClean="0"/>
+              <a:t>투명한 부분은 무시</a:t>
+            </a:r>
+            <a:endParaRPr lang="en-US" altLang="ko-KR" dirty="0" smtClean="0"/>
+          </a:p>
+          <a:p>
+            <a:pPr>
+              <a:lnSpc>
+                <a:spcPct val="150000"/>
+              </a:lnSpc>
+            </a:pPr>
+            <a:r>
+              <a:rPr lang="en-US" altLang="ko-KR" dirty="0"/>
+              <a:t> </a:t>
+            </a:r>
+            <a:r>
+              <a:rPr lang="en-US" altLang="ko-KR" dirty="0" smtClean="0"/>
+              <a:t> IMREAD_GRAYSCALE : </a:t>
+            </a:r>
+            <a:r>
+              <a:rPr lang="ko-KR" altLang="en-US" dirty="0"/>
+              <a:t>이미지를 </a:t>
+            </a:r>
+            <a:r>
+              <a:rPr lang="en-US" altLang="ko-KR" dirty="0" err="1" smtClean="0"/>
+              <a:t>GrayScale</a:t>
+            </a:r>
+            <a:r>
+              <a:rPr lang="ko-KR" altLang="en-US" dirty="0" smtClean="0"/>
+              <a:t>로 </a:t>
+            </a:r>
+            <a:r>
+              <a:rPr lang="ko-KR" altLang="en-US" dirty="0"/>
+              <a:t>읽음</a:t>
+            </a:r>
+            <a:endParaRPr lang="en-US" altLang="ko-KR" dirty="0" smtClean="0"/>
+          </a:p>
+          <a:p>
+            <a:pPr>
+              <a:lnSpc>
+                <a:spcPct val="150000"/>
+              </a:lnSpc>
+            </a:pPr>
+            <a:r>
+              <a:rPr lang="en-US" altLang="ko-KR" dirty="0"/>
+              <a:t> </a:t>
+            </a:r>
+            <a:r>
+              <a:rPr lang="en-US" altLang="ko-KR" dirty="0" smtClean="0"/>
+              <a:t> IMREAD_UNCHANGED: </a:t>
+            </a:r>
+            <a:r>
+              <a:rPr lang="ko-KR" altLang="en-US" dirty="0"/>
+              <a:t>이미지를 </a:t>
+            </a:r>
+            <a:r>
+              <a:rPr lang="en-US" altLang="ko-KR" dirty="0"/>
+              <a:t>Color</a:t>
+            </a:r>
+            <a:r>
+              <a:rPr lang="ko-KR" altLang="en-US" dirty="0"/>
+              <a:t>로 </a:t>
+            </a:r>
+            <a:r>
+              <a:rPr lang="ko-KR" altLang="en-US" dirty="0" smtClean="0"/>
+              <a:t>읽고</a:t>
+            </a:r>
+            <a:r>
+              <a:rPr lang="en-US" altLang="ko-KR" dirty="0" smtClean="0"/>
+              <a:t>, </a:t>
+            </a:r>
+            <a:r>
+              <a:rPr lang="ko-KR" altLang="en-US" dirty="0" smtClean="0"/>
+              <a:t>투명한 부분도 읽음</a:t>
+            </a:r>
+            <a:endParaRPr lang="ko-KR" altLang="en-US" dirty="0"/>
+          </a:p>
+        </p:txBody>
+      </p:sp>
+    </p:spTree>
+    <p:extLst>
+      <p:ext uri="{BB962C8B-B14F-4D97-AF65-F5344CB8AC3E}">
+        <p14:creationId xmlns:p14="http://schemas.microsoft.com/office/powerpoint/2010/main" val="2317167696"/>
+      </p:ext>
+    </p:extLst>
+  </p:cSld>
+  <p:clrMapOvr>
+    <a:masterClrMapping/>
+  </p:clrMapOvr>
+  <p:timing>
+    <p:tnLst>
+      <p:par>
+        <p:cTn id="1" dur="indefinite" restart="never" nodeType="tmRoot"/>
+      </p:par>
+    </p:tnLst>
+  </p:timing>
+</p:sld>
+</file>
+
+<file path=ppt/slides/slide13.xml><?xml version="1.0" encoding="utf-8"?>
+<p:sld xmlns:a="http://schemas.openxmlformats.org/drawingml/2006/main" xmlns:r="http://schemas.openxmlformats.org/officeDocument/2006/relationships" xmlns:p="http://schemas.openxmlformats.org/presentationml/2006/main">
+  <p:cSld>
+    <p:spTree>
+      <p:nvGrpSpPr>
+        <p:cNvPr id="1" name=""/>
+        <p:cNvGrpSpPr/>
+        <p:nvPr/>
+      </p:nvGrpSpPr>
+      <p:grpSpPr>
+        <a:xfrm>
+          <a:off x="0" y="0"/>
+          <a:ext cx="0" cy="0"/>
+          <a:chOff x="0" y="0"/>
+          <a:chExt cx="0" cy="0"/>
+        </a:xfrm>
+      </p:grpSpPr>
+      <p:sp>
+        <p:nvSpPr>
+          <p:cNvPr id="2" name="제목 1"/>
+          <p:cNvSpPr>
+            <a:spLocks noGrp="1"/>
+          </p:cNvSpPr>
+          <p:nvPr>
+            <p:ph type="title"/>
+          </p:nvPr>
+        </p:nvSpPr>
+        <p:spPr/>
+        <p:txBody>
+          <a:bodyPr/>
+          <a:lstStyle/>
+          <a:p>
+            <a:r>
+              <a:rPr lang="en-US" altLang="ko-KR" dirty="0"/>
+              <a:t> </a:t>
+            </a:r>
+            <a:r>
+              <a:rPr lang="en-US" altLang="ko-KR" dirty="0" err="1" smtClean="0"/>
+              <a:t>OpenCV</a:t>
+            </a:r>
+            <a:r>
+              <a:rPr lang="en-US" altLang="ko-KR" dirty="0" smtClean="0"/>
+              <a:t> </a:t>
+            </a:r>
+            <a:endParaRPr lang="ko-KR" altLang="en-US" dirty="0"/>
+          </a:p>
+        </p:txBody>
+      </p:sp>
+      <p:sp>
+        <p:nvSpPr>
+          <p:cNvPr id="4" name="슬라이드 번호 개체 틀 3"/>
+          <p:cNvSpPr>
+            <a:spLocks noGrp="1"/>
+          </p:cNvSpPr>
+          <p:nvPr>
+            <p:ph type="sldNum" sz="quarter" idx="12"/>
+          </p:nvPr>
+        </p:nvSpPr>
+        <p:spPr/>
+        <p:txBody>
+          <a:bodyPr/>
+          <a:lstStyle/>
+          <a:p>
+            <a:fld id="{1BDE3FE7-3AEA-4B05-AC5A-802D1816ACF0}" type="slidenum">
+              <a:rPr lang="ko-KR" altLang="en-US" smtClean="0"/>
+              <a:t>13</a:t>
+            </a:fld>
+            <a:endParaRPr lang="ko-KR" altLang="en-US"/>
+          </a:p>
+        </p:txBody>
+      </p:sp>
+      <p:sp>
+        <p:nvSpPr>
+          <p:cNvPr id="26" name="TextBox 25"/>
+          <p:cNvSpPr txBox="1"/>
+          <p:nvPr/>
+        </p:nvSpPr>
+        <p:spPr>
+          <a:xfrm>
+            <a:off x="992560" y="1268760"/>
+            <a:ext cx="5280670" cy="509178"/>
+          </a:xfrm>
+          <a:prstGeom prst="rect">
+            <a:avLst/>
+          </a:prstGeom>
+          <a:ln>
+            <a:noFill/>
+          </a:ln>
+        </p:spPr>
+        <p:style>
+          <a:lnRef idx="2">
+            <a:schemeClr val="dk1"/>
+          </a:lnRef>
+          <a:fillRef idx="1">
+            <a:schemeClr val="lt1"/>
+          </a:fillRef>
+          <a:effectRef idx="0">
+            <a:schemeClr val="dk1"/>
+          </a:effectRef>
+          <a:fontRef idx="minor">
+            <a:schemeClr val="dk1"/>
+          </a:fontRef>
+        </p:style>
+        <p:txBody>
+          <a:bodyPr wrap="square" rtlCol="0">
+            <a:spAutoFit/>
+          </a:bodyPr>
+          <a:lstStyle/>
+          <a:p>
+            <a:pPr marL="342900" indent="-342900">
+              <a:lnSpc>
+                <a:spcPct val="150000"/>
+              </a:lnSpc>
+              <a:buFont typeface="Wingdings" panose="05000000000000000000" pitchFamily="2" charset="2"/>
+              <a:buChar char="l"/>
+            </a:pPr>
+            <a:r>
+              <a:rPr lang="en-US" altLang="ko-KR" sz="2000" dirty="0" err="1" smtClean="0">
+                <a:latin typeface="휴먼엑스포" panose="02030504000101010101" pitchFamily="18" charset="-127"/>
+                <a:ea typeface="휴먼엑스포" panose="02030504000101010101" pitchFamily="18" charset="-127"/>
+              </a:rPr>
+              <a:t>OpenCV</a:t>
+            </a:r>
+            <a:r>
+              <a:rPr lang="en-US" altLang="ko-KR" sz="2000" dirty="0" smtClean="0">
+                <a:latin typeface="휴먼엑스포" panose="02030504000101010101" pitchFamily="18" charset="-127"/>
+                <a:ea typeface="휴먼엑스포" panose="02030504000101010101" pitchFamily="18" charset="-127"/>
+              </a:rPr>
+              <a:t> </a:t>
+            </a:r>
+            <a:r>
+              <a:rPr lang="ko-KR" altLang="en-US" sz="2000" dirty="0" smtClean="0">
+                <a:latin typeface="휴먼엑스포" panose="02030504000101010101" pitchFamily="18" charset="-127"/>
+                <a:ea typeface="휴먼엑스포" panose="02030504000101010101" pitchFamily="18" charset="-127"/>
+              </a:rPr>
+              <a:t>사용법</a:t>
+            </a:r>
+            <a:endParaRPr lang="en-US" altLang="ko-KR" sz="2000" dirty="0" smtClean="0">
+              <a:latin typeface="휴먼엑스포" panose="02030504000101010101" pitchFamily="18" charset="-127"/>
+              <a:ea typeface="휴먼엑스포" panose="02030504000101010101" pitchFamily="18" charset="-127"/>
+            </a:endParaRPr>
+          </a:p>
+        </p:txBody>
+      </p:sp>
+      <p:sp>
+        <p:nvSpPr>
+          <p:cNvPr id="8" name="직사각형 7"/>
+          <p:cNvSpPr/>
+          <p:nvPr/>
+        </p:nvSpPr>
+        <p:spPr>
+          <a:xfrm>
+            <a:off x="1280592" y="1981386"/>
+            <a:ext cx="8010804" cy="969496"/>
+          </a:xfrm>
+          <a:prstGeom prst="rect">
+            <a:avLst/>
+          </a:prstGeom>
+        </p:spPr>
+        <p:txBody>
+          <a:bodyPr wrap="square">
+            <a:spAutoFit/>
+          </a:bodyPr>
+          <a:lstStyle/>
+          <a:p>
+            <a:pPr marL="285750" indent="-285750">
+              <a:lnSpc>
+                <a:spcPct val="150000"/>
+              </a:lnSpc>
+              <a:buFontTx/>
+              <a:buChar char="-"/>
+            </a:pPr>
+            <a:r>
+              <a:rPr lang="ko-KR" altLang="en-US" dirty="0" smtClean="0"/>
+              <a:t>이미지 출력</a:t>
+            </a:r>
+            <a:endParaRPr lang="en-US" altLang="ko-KR" dirty="0" smtClean="0"/>
+          </a:p>
+          <a:p>
+            <a:pPr>
+              <a:lnSpc>
+                <a:spcPct val="150000"/>
+              </a:lnSpc>
+            </a:pPr>
+            <a:r>
+              <a:rPr lang="en-US" altLang="ko-KR" dirty="0" smtClean="0"/>
+              <a:t>    </a:t>
+            </a:r>
+            <a:r>
+              <a:rPr lang="en-US" altLang="ko-KR" sz="2000" b="1" dirty="0" smtClean="0"/>
+              <a:t>cv2.imshow(</a:t>
+            </a:r>
+            <a:r>
+              <a:rPr lang="ko-KR" altLang="en-US" sz="2000" b="1" dirty="0" err="1" smtClean="0"/>
+              <a:t>이미지제목</a:t>
+            </a:r>
+            <a:r>
+              <a:rPr lang="en-US" altLang="ko-KR" sz="2000" b="1" dirty="0" smtClean="0"/>
+              <a:t>, </a:t>
+            </a:r>
+            <a:r>
+              <a:rPr lang="ko-KR" altLang="en-US" sz="2000" b="1" dirty="0" err="1" smtClean="0"/>
+              <a:t>이미지파일</a:t>
+            </a:r>
+            <a:r>
+              <a:rPr lang="en-US" altLang="ko-KR" sz="2000" b="1" dirty="0" smtClean="0"/>
+              <a:t>)</a:t>
+            </a:r>
+            <a:endParaRPr lang="en-US" altLang="ko-KR" b="1" dirty="0" smtClean="0"/>
+          </a:p>
+        </p:txBody>
+      </p:sp>
+      <p:sp>
+        <p:nvSpPr>
+          <p:cNvPr id="9" name="직사각형 8"/>
+          <p:cNvSpPr/>
+          <p:nvPr/>
+        </p:nvSpPr>
+        <p:spPr>
+          <a:xfrm>
+            <a:off x="1280592" y="3247865"/>
+            <a:ext cx="8010804" cy="1431161"/>
+          </a:xfrm>
+          <a:prstGeom prst="rect">
+            <a:avLst/>
+          </a:prstGeom>
+        </p:spPr>
+        <p:txBody>
+          <a:bodyPr wrap="square">
+            <a:spAutoFit/>
+          </a:bodyPr>
+          <a:lstStyle/>
+          <a:p>
+            <a:pPr marL="285750" indent="-285750">
+              <a:lnSpc>
+                <a:spcPct val="150000"/>
+              </a:lnSpc>
+              <a:buFontTx/>
+              <a:buChar char="-"/>
+            </a:pPr>
+            <a:r>
+              <a:rPr lang="ko-KR" altLang="en-US" dirty="0" smtClean="0"/>
+              <a:t>키보드 입력을 처리하는 함수</a:t>
+            </a:r>
+            <a:endParaRPr lang="en-US" altLang="ko-KR" dirty="0" smtClean="0"/>
+          </a:p>
+          <a:p>
+            <a:pPr>
+              <a:lnSpc>
+                <a:spcPct val="150000"/>
+              </a:lnSpc>
+            </a:pPr>
+            <a:r>
+              <a:rPr lang="en-US" altLang="ko-KR" dirty="0" smtClean="0"/>
+              <a:t>    </a:t>
+            </a:r>
+            <a:r>
+              <a:rPr lang="en-US" altLang="ko-KR" sz="2000" b="1" dirty="0" smtClean="0"/>
+              <a:t>cv2.waitkey(0) </a:t>
+            </a:r>
+            <a:endParaRPr lang="en-US" altLang="ko-KR" sz="2000" dirty="0" smtClean="0"/>
+          </a:p>
+          <a:p>
+            <a:pPr>
+              <a:lnSpc>
+                <a:spcPct val="150000"/>
+              </a:lnSpc>
+            </a:pPr>
+            <a:r>
+              <a:rPr lang="en-US" altLang="ko-KR" sz="2000" dirty="0"/>
+              <a:t> </a:t>
+            </a:r>
+            <a:r>
+              <a:rPr lang="en-US" altLang="ko-KR" sz="2000" dirty="0" smtClean="0"/>
+              <a:t>     (0 - </a:t>
+            </a:r>
+            <a:r>
+              <a:rPr lang="ko-KR" altLang="en-US" sz="2000" dirty="0" smtClean="0"/>
+              <a:t>계속 대기</a:t>
+            </a:r>
+            <a:r>
+              <a:rPr lang="en-US" altLang="ko-KR" sz="2000" dirty="0" smtClean="0"/>
+              <a:t>, 1000 – 1</a:t>
+            </a:r>
+            <a:r>
+              <a:rPr lang="ko-KR" altLang="en-US" sz="2000" dirty="0" smtClean="0"/>
+              <a:t>초</a:t>
+            </a:r>
+            <a:r>
+              <a:rPr lang="en-US" altLang="ko-KR" sz="2000" dirty="0" smtClean="0"/>
+              <a:t>)</a:t>
+            </a:r>
+            <a:endParaRPr lang="en-US" altLang="ko-KR" dirty="0" smtClean="0"/>
+          </a:p>
+        </p:txBody>
+      </p:sp>
+    </p:spTree>
+    <p:extLst>
+      <p:ext uri="{BB962C8B-B14F-4D97-AF65-F5344CB8AC3E}">
+        <p14:creationId xmlns:p14="http://schemas.microsoft.com/office/powerpoint/2010/main" val="2428087755"/>
+      </p:ext>
+    </p:extLst>
+  </p:cSld>
+  <p:clrMapOvr>
+    <a:masterClrMapping/>
+  </p:clrMapOvr>
+  <p:timing>
+    <p:tnLst>
+      <p:par>
+        <p:cTn id="1" dur="indefinite" restart="never" nodeType="tmRoot"/>
+      </p:par>
+    </p:tnLst>
+  </p:timing>
+</p:sld>
+</file>
+
+<file path=ppt/slides/slide14.xml><?xml version="1.0" encoding="utf-8"?>
+<p:sld xmlns:a="http://schemas.openxmlformats.org/drawingml/2006/main" xmlns:r="http://schemas.openxmlformats.org/officeDocument/2006/relationships" xmlns:p="http://schemas.openxmlformats.org/presentationml/2006/main">
+  <p:cSld>
+    <p:spTree>
+      <p:nvGrpSpPr>
+        <p:cNvPr id="1" name=""/>
+        <p:cNvGrpSpPr/>
+        <p:nvPr/>
+      </p:nvGrpSpPr>
+      <p:grpSpPr>
+        <a:xfrm>
+          <a:off x="0" y="0"/>
+          <a:ext cx="0" cy="0"/>
+          <a:chOff x="0" y="0"/>
+          <a:chExt cx="0" cy="0"/>
+        </a:xfrm>
+      </p:grpSpPr>
+      <p:sp>
+        <p:nvSpPr>
+          <p:cNvPr id="2" name="제목 1"/>
+          <p:cNvSpPr>
+            <a:spLocks noGrp="1"/>
+          </p:cNvSpPr>
+          <p:nvPr>
+            <p:ph type="title"/>
+          </p:nvPr>
+        </p:nvSpPr>
+        <p:spPr/>
+        <p:txBody>
+          <a:bodyPr/>
+          <a:lstStyle/>
+          <a:p>
+            <a:r>
+              <a:rPr lang="en-US" altLang="ko-KR" dirty="0"/>
+              <a:t> </a:t>
+            </a:r>
+            <a:r>
+              <a:rPr lang="en-US" altLang="ko-KR" dirty="0" err="1" smtClean="0"/>
+              <a:t>OpenCV</a:t>
+            </a:r>
+            <a:r>
+              <a:rPr lang="en-US" altLang="ko-KR" dirty="0" smtClean="0"/>
+              <a:t> </a:t>
+            </a:r>
+            <a:endParaRPr lang="ko-KR" altLang="en-US" dirty="0"/>
+          </a:p>
+        </p:txBody>
+      </p:sp>
+      <p:sp>
+        <p:nvSpPr>
+          <p:cNvPr id="4" name="슬라이드 번호 개체 틀 3"/>
+          <p:cNvSpPr>
+            <a:spLocks noGrp="1"/>
+          </p:cNvSpPr>
+          <p:nvPr>
+            <p:ph type="sldNum" sz="quarter" idx="12"/>
+          </p:nvPr>
+        </p:nvSpPr>
+        <p:spPr/>
+        <p:txBody>
+          <a:bodyPr/>
+          <a:lstStyle/>
+          <a:p>
+            <a:fld id="{1BDE3FE7-3AEA-4B05-AC5A-802D1816ACF0}" type="slidenum">
+              <a:rPr lang="ko-KR" altLang="en-US" smtClean="0"/>
+              <a:t>14</a:t>
+            </a:fld>
+            <a:endParaRPr lang="ko-KR" altLang="en-US"/>
+          </a:p>
+        </p:txBody>
+      </p:sp>
+      <p:sp>
+        <p:nvSpPr>
+          <p:cNvPr id="26" name="TextBox 25"/>
+          <p:cNvSpPr txBox="1"/>
+          <p:nvPr/>
+        </p:nvSpPr>
+        <p:spPr>
+          <a:xfrm>
+            <a:off x="992560" y="1268760"/>
+            <a:ext cx="5280670" cy="509178"/>
+          </a:xfrm>
+          <a:prstGeom prst="rect">
+            <a:avLst/>
+          </a:prstGeom>
+          <a:ln>
+            <a:noFill/>
+          </a:ln>
+        </p:spPr>
+        <p:style>
+          <a:lnRef idx="2">
+            <a:schemeClr val="dk1"/>
+          </a:lnRef>
+          <a:fillRef idx="1">
+            <a:schemeClr val="lt1"/>
+          </a:fillRef>
+          <a:effectRef idx="0">
+            <a:schemeClr val="dk1"/>
+          </a:effectRef>
+          <a:fontRef idx="minor">
+            <a:schemeClr val="dk1"/>
+          </a:fontRef>
+        </p:style>
+        <p:txBody>
+          <a:bodyPr wrap="square" rtlCol="0">
+            <a:spAutoFit/>
+          </a:bodyPr>
+          <a:lstStyle/>
+          <a:p>
+            <a:pPr marL="342900" indent="-342900">
+              <a:lnSpc>
+                <a:spcPct val="150000"/>
+              </a:lnSpc>
+              <a:buFont typeface="Wingdings" panose="05000000000000000000" pitchFamily="2" charset="2"/>
+              <a:buChar char="l"/>
+            </a:pPr>
+            <a:r>
+              <a:rPr lang="ko-KR" altLang="en-US" sz="2000" dirty="0" smtClean="0">
+                <a:latin typeface="휴먼엑스포" panose="02030504000101010101" pitchFamily="18" charset="-127"/>
+                <a:ea typeface="휴먼엑스포" panose="02030504000101010101" pitchFamily="18" charset="-127"/>
+              </a:rPr>
+              <a:t>이미지 처리 예제</a:t>
+            </a:r>
+            <a:endParaRPr lang="en-US" altLang="ko-KR" sz="2000" dirty="0" smtClean="0">
+              <a:latin typeface="휴먼엑스포" panose="02030504000101010101" pitchFamily="18" charset="-127"/>
+              <a:ea typeface="휴먼엑스포" panose="02030504000101010101" pitchFamily="18" charset="-127"/>
+            </a:endParaRPr>
+          </a:p>
+        </p:txBody>
+      </p:sp>
+      <p:pic>
+        <p:nvPicPr>
+          <p:cNvPr id="5" name="그림 4"/>
+          <p:cNvPicPr>
+            <a:picLocks noChangeAspect="1"/>
+          </p:cNvPicPr>
+          <p:nvPr/>
+        </p:nvPicPr>
+        <p:blipFill>
+          <a:blip r:embed="rId2">
+            <a:extLst>
+              <a:ext uri="{28A0092B-C50C-407E-A947-70E740481C1C}">
+                <a14:useLocalDpi xmlns:a14="http://schemas.microsoft.com/office/drawing/2010/main" val="0"/>
+              </a:ext>
+            </a:extLst>
+          </a:blip>
+          <a:stretch>
+            <a:fillRect/>
+          </a:stretch>
+        </p:blipFill>
+        <p:spPr>
+          <a:xfrm>
+            <a:off x="1424608" y="2204864"/>
+            <a:ext cx="2827265" cy="2171888"/>
+          </a:xfrm>
+          <a:prstGeom prst="rect">
+            <a:avLst/>
+          </a:prstGeom>
+        </p:spPr>
+      </p:pic>
+      <p:pic>
+        <p:nvPicPr>
+          <p:cNvPr id="6" name="그림 5"/>
+          <p:cNvPicPr>
+            <a:picLocks noChangeAspect="1"/>
+          </p:cNvPicPr>
+          <p:nvPr/>
+        </p:nvPicPr>
+        <p:blipFill>
+          <a:blip r:embed="rId3">
+            <a:extLst>
+              <a:ext uri="{28A0092B-C50C-407E-A947-70E740481C1C}">
+                <a14:useLocalDpi xmlns:a14="http://schemas.microsoft.com/office/drawing/2010/main" val="0"/>
+              </a:ext>
+            </a:extLst>
+          </a:blip>
+          <a:stretch>
+            <a:fillRect/>
+          </a:stretch>
+        </p:blipFill>
+        <p:spPr>
+          <a:xfrm>
+            <a:off x="5025008" y="2204864"/>
+            <a:ext cx="2959496" cy="2171888"/>
+          </a:xfrm>
+          <a:prstGeom prst="rect">
+            <a:avLst/>
+          </a:prstGeom>
+        </p:spPr>
+      </p:pic>
+    </p:spTree>
+    <p:extLst>
+      <p:ext uri="{BB962C8B-B14F-4D97-AF65-F5344CB8AC3E}">
+        <p14:creationId xmlns:p14="http://schemas.microsoft.com/office/powerpoint/2010/main" val="3379401405"/>
+      </p:ext>
+    </p:extLst>
+  </p:cSld>
+  <p:clrMapOvr>
+    <a:masterClrMapping/>
+  </p:clrMapOvr>
+  <p:timing>
+    <p:tnLst>
+      <p:par>
+        <p:cTn id="1" dur="indefinite" restart="never" nodeType="tmRoot"/>
+      </p:par>
+    </p:tnLst>
+  </p:timing>
+</p:sld>
+</file>
+
+<file path=ppt/slides/slide15.xml><?xml version="1.0" encoding="utf-8"?>
+<p:sld xmlns:a="http://schemas.openxmlformats.org/drawingml/2006/main" xmlns:r="http://schemas.openxmlformats.org/officeDocument/2006/relationships" xmlns:p="http://schemas.openxmlformats.org/presentationml/2006/main">
+  <p:cSld>
+    <p:spTree>
+      <p:nvGrpSpPr>
+        <p:cNvPr id="1" name=""/>
+        <p:cNvGrpSpPr/>
+        <p:nvPr/>
+      </p:nvGrpSpPr>
+      <p:grpSpPr>
+        <a:xfrm>
+          <a:off x="0" y="0"/>
+          <a:ext cx="0" cy="0"/>
+          <a:chOff x="0" y="0"/>
+          <a:chExt cx="0" cy="0"/>
+        </a:xfrm>
+      </p:grpSpPr>
+      <p:sp>
+        <p:nvSpPr>
+          <p:cNvPr id="2" name="제목 1"/>
+          <p:cNvSpPr>
+            <a:spLocks noGrp="1"/>
+          </p:cNvSpPr>
+          <p:nvPr>
+            <p:ph type="title"/>
+          </p:nvPr>
+        </p:nvSpPr>
+        <p:spPr/>
+        <p:txBody>
+          <a:bodyPr/>
+          <a:lstStyle/>
+          <a:p>
+            <a:r>
+              <a:rPr lang="en-US" altLang="ko-KR" dirty="0"/>
+              <a:t> </a:t>
+            </a:r>
+            <a:r>
+              <a:rPr lang="en-US" altLang="ko-KR" dirty="0" err="1" smtClean="0"/>
+              <a:t>OpenCV</a:t>
+            </a:r>
+            <a:r>
+              <a:rPr lang="en-US" altLang="ko-KR" dirty="0" smtClean="0"/>
+              <a:t> </a:t>
+            </a:r>
+            <a:endParaRPr lang="ko-KR" altLang="en-US" dirty="0"/>
+          </a:p>
+        </p:txBody>
+      </p:sp>
+      <p:sp>
+        <p:nvSpPr>
+          <p:cNvPr id="4" name="슬라이드 번호 개체 틀 3"/>
+          <p:cNvSpPr>
+            <a:spLocks noGrp="1"/>
+          </p:cNvSpPr>
+          <p:nvPr>
+            <p:ph type="sldNum" sz="quarter" idx="12"/>
+          </p:nvPr>
+        </p:nvSpPr>
+        <p:spPr/>
+        <p:txBody>
+          <a:bodyPr/>
+          <a:lstStyle/>
+          <a:p>
+            <a:fld id="{1BDE3FE7-3AEA-4B05-AC5A-802D1816ACF0}" type="slidenum">
+              <a:rPr lang="ko-KR" altLang="en-US" smtClean="0"/>
+              <a:t>15</a:t>
+            </a:fld>
+            <a:endParaRPr lang="ko-KR" altLang="en-US"/>
+          </a:p>
+        </p:txBody>
+      </p:sp>
+      <p:sp>
+        <p:nvSpPr>
+          <p:cNvPr id="26" name="TextBox 25"/>
+          <p:cNvSpPr txBox="1"/>
+          <p:nvPr/>
+        </p:nvSpPr>
+        <p:spPr>
+          <a:xfrm>
+            <a:off x="992560" y="1268760"/>
+            <a:ext cx="5280670" cy="509178"/>
+          </a:xfrm>
+          <a:prstGeom prst="rect">
+            <a:avLst/>
+          </a:prstGeom>
+          <a:ln>
+            <a:noFill/>
+          </a:ln>
+        </p:spPr>
+        <p:style>
+          <a:lnRef idx="2">
+            <a:schemeClr val="dk1"/>
+          </a:lnRef>
+          <a:fillRef idx="1">
+            <a:schemeClr val="lt1"/>
+          </a:fillRef>
+          <a:effectRef idx="0">
+            <a:schemeClr val="dk1"/>
+          </a:effectRef>
+          <a:fontRef idx="minor">
+            <a:schemeClr val="dk1"/>
+          </a:fontRef>
+        </p:style>
+        <p:txBody>
+          <a:bodyPr wrap="square" rtlCol="0">
+            <a:spAutoFit/>
+          </a:bodyPr>
+          <a:lstStyle/>
+          <a:p>
+            <a:pPr marL="342900" indent="-342900">
+              <a:lnSpc>
+                <a:spcPct val="150000"/>
+              </a:lnSpc>
+              <a:buFont typeface="Wingdings" panose="05000000000000000000" pitchFamily="2" charset="2"/>
+              <a:buChar char="l"/>
+            </a:pPr>
+            <a:r>
+              <a:rPr lang="ko-KR" altLang="en-US" sz="2000" dirty="0" smtClean="0">
+                <a:latin typeface="휴먼엑스포" panose="02030504000101010101" pitchFamily="18" charset="-127"/>
+                <a:ea typeface="휴먼엑스포" panose="02030504000101010101" pitchFamily="18" charset="-127"/>
+              </a:rPr>
+              <a:t>이미지 처리 예제</a:t>
+            </a:r>
+            <a:endParaRPr lang="en-US" altLang="ko-KR" sz="2000" dirty="0" smtClean="0">
+              <a:latin typeface="휴먼엑스포" panose="02030504000101010101" pitchFamily="18" charset="-127"/>
+              <a:ea typeface="휴먼엑스포" panose="02030504000101010101" pitchFamily="18" charset="-127"/>
+            </a:endParaRPr>
+          </a:p>
+        </p:txBody>
+      </p:sp>
+      <p:pic>
+        <p:nvPicPr>
+          <p:cNvPr id="3" name="그림 2"/>
+          <p:cNvPicPr>
+            <a:picLocks noChangeAspect="1"/>
+          </p:cNvPicPr>
+          <p:nvPr/>
+        </p:nvPicPr>
+        <p:blipFill>
+          <a:blip r:embed="rId2">
+            <a:extLst>
+              <a:ext uri="{28A0092B-C50C-407E-A947-70E740481C1C}">
+                <a14:useLocalDpi xmlns:a14="http://schemas.microsoft.com/office/drawing/2010/main" val="0"/>
+              </a:ext>
+            </a:extLst>
+          </a:blip>
+          <a:stretch>
+            <a:fillRect/>
+          </a:stretch>
+        </p:blipFill>
+        <p:spPr>
+          <a:xfrm>
+            <a:off x="1496616" y="2017491"/>
+            <a:ext cx="5997460" cy="4206605"/>
+          </a:xfrm>
+          <a:prstGeom prst="rect">
+            <a:avLst/>
+          </a:prstGeom>
+          <a:ln>
+            <a:solidFill>
+              <a:schemeClr val="bg1">
+                <a:lumMod val="85000"/>
+              </a:schemeClr>
+            </a:solidFill>
+          </a:ln>
+        </p:spPr>
+      </p:pic>
+    </p:spTree>
+    <p:extLst>
+      <p:ext uri="{BB962C8B-B14F-4D97-AF65-F5344CB8AC3E}">
+        <p14:creationId xmlns:p14="http://schemas.microsoft.com/office/powerpoint/2010/main" val="2794432380"/>
+      </p:ext>
+    </p:extLst>
+  </p:cSld>
+  <p:clrMapOvr>
+    <a:masterClrMapping/>
+  </p:clrMapOvr>
+  <p:timing>
+    <p:tnLst>
+      <p:par>
+        <p:cTn id="1" dur="indefinite" restart="never" nodeType="tmRoot"/>
+      </p:par>
+    </p:tnLst>
+  </p:timing>
+</p:sld>
+</file>
+
+<file path=ppt/slides/slide16.xml><?xml version="1.0" encoding="utf-8"?>
+<p:sld xmlns:a="http://schemas.openxmlformats.org/drawingml/2006/main" xmlns:r="http://schemas.openxmlformats.org/officeDocument/2006/relationships" xmlns:p="http://schemas.openxmlformats.org/presentationml/2006/main">
+  <p:cSld>
+    <p:spTree>
+      <p:nvGrpSpPr>
+        <p:cNvPr id="1" name=""/>
+        <p:cNvGrpSpPr/>
+        <p:nvPr/>
+      </p:nvGrpSpPr>
+      <p:grpSpPr>
+        <a:xfrm>
+          <a:off x="0" y="0"/>
+          <a:ext cx="0" cy="0"/>
+          <a:chOff x="0" y="0"/>
+          <a:chExt cx="0" cy="0"/>
+        </a:xfrm>
+      </p:grpSpPr>
+      <p:sp>
+        <p:nvSpPr>
+          <p:cNvPr id="2" name="제목 1"/>
+          <p:cNvSpPr>
+            <a:spLocks noGrp="1"/>
+          </p:cNvSpPr>
+          <p:nvPr>
+            <p:ph type="title"/>
+          </p:nvPr>
+        </p:nvSpPr>
+        <p:spPr/>
+        <p:txBody>
+          <a:bodyPr/>
+          <a:lstStyle/>
+          <a:p>
+            <a:r>
+              <a:rPr lang="en-US" altLang="ko-KR" dirty="0"/>
+              <a:t> </a:t>
+            </a:r>
+            <a:r>
+              <a:rPr lang="en-US" altLang="ko-KR" dirty="0" err="1" smtClean="0"/>
+              <a:t>OpenCV</a:t>
+            </a:r>
+            <a:r>
+              <a:rPr lang="en-US" altLang="ko-KR" dirty="0" smtClean="0"/>
+              <a:t> </a:t>
+            </a:r>
+            <a:endParaRPr lang="ko-KR" altLang="en-US" dirty="0"/>
+          </a:p>
+        </p:txBody>
+      </p:sp>
+      <p:sp>
+        <p:nvSpPr>
+          <p:cNvPr id="4" name="슬라이드 번호 개체 틀 3"/>
+          <p:cNvSpPr>
+            <a:spLocks noGrp="1"/>
+          </p:cNvSpPr>
+          <p:nvPr>
+            <p:ph type="sldNum" sz="quarter" idx="12"/>
+          </p:nvPr>
+        </p:nvSpPr>
+        <p:spPr/>
+        <p:txBody>
+          <a:bodyPr/>
+          <a:lstStyle/>
+          <a:p>
+            <a:fld id="{1BDE3FE7-3AEA-4B05-AC5A-802D1816ACF0}" type="slidenum">
+              <a:rPr lang="ko-KR" altLang="en-US" smtClean="0"/>
+              <a:t>16</a:t>
+            </a:fld>
+            <a:endParaRPr lang="ko-KR" altLang="en-US"/>
+          </a:p>
+        </p:txBody>
+      </p:sp>
+      <p:sp>
+        <p:nvSpPr>
+          <p:cNvPr id="26" name="TextBox 25"/>
+          <p:cNvSpPr txBox="1"/>
+          <p:nvPr/>
+        </p:nvSpPr>
+        <p:spPr>
+          <a:xfrm>
+            <a:off x="992560" y="1268760"/>
+            <a:ext cx="5280670" cy="509178"/>
+          </a:xfrm>
+          <a:prstGeom prst="rect">
+            <a:avLst/>
+          </a:prstGeom>
+          <a:ln>
+            <a:noFill/>
+          </a:ln>
+        </p:spPr>
+        <p:style>
+          <a:lnRef idx="2">
+            <a:schemeClr val="dk1"/>
+          </a:lnRef>
+          <a:fillRef idx="1">
+            <a:schemeClr val="lt1"/>
+          </a:fillRef>
+          <a:effectRef idx="0">
+            <a:schemeClr val="dk1"/>
+          </a:effectRef>
+          <a:fontRef idx="minor">
+            <a:schemeClr val="dk1"/>
+          </a:fontRef>
+        </p:style>
+        <p:txBody>
+          <a:bodyPr wrap="square" rtlCol="0">
+            <a:spAutoFit/>
+          </a:bodyPr>
+          <a:lstStyle/>
+          <a:p>
+            <a:pPr marL="342900" indent="-342900">
+              <a:lnSpc>
+                <a:spcPct val="150000"/>
+              </a:lnSpc>
+              <a:buFont typeface="Wingdings" panose="05000000000000000000" pitchFamily="2" charset="2"/>
+              <a:buChar char="l"/>
+            </a:pPr>
+            <a:r>
+              <a:rPr lang="en-US" altLang="ko-KR" sz="2000" dirty="0" err="1" smtClean="0">
+                <a:latin typeface="휴먼엑스포" panose="02030504000101010101" pitchFamily="18" charset="-127"/>
+                <a:ea typeface="휴먼엑스포" panose="02030504000101010101" pitchFamily="18" charset="-127"/>
+              </a:rPr>
+              <a:t>Jupyter</a:t>
+            </a:r>
+            <a:r>
+              <a:rPr lang="en-US" altLang="ko-KR" sz="2000" dirty="0" smtClean="0">
+                <a:latin typeface="휴먼엑스포" panose="02030504000101010101" pitchFamily="18" charset="-127"/>
+                <a:ea typeface="휴먼엑스포" panose="02030504000101010101" pitchFamily="18" charset="-127"/>
+              </a:rPr>
+              <a:t> notebook</a:t>
+            </a:r>
+            <a:r>
+              <a:rPr lang="ko-KR" altLang="en-US" sz="2000" dirty="0" smtClean="0">
+                <a:latin typeface="휴먼엑스포" panose="02030504000101010101" pitchFamily="18" charset="-127"/>
+                <a:ea typeface="휴먼엑스포" panose="02030504000101010101" pitchFamily="18" charset="-127"/>
+              </a:rPr>
+              <a:t>에서 구현</a:t>
+            </a:r>
+            <a:endParaRPr lang="en-US" altLang="ko-KR" sz="2000" dirty="0" smtClean="0">
+              <a:latin typeface="휴먼엑스포" panose="02030504000101010101" pitchFamily="18" charset="-127"/>
+              <a:ea typeface="휴먼엑스포" panose="02030504000101010101" pitchFamily="18" charset="-127"/>
+            </a:endParaRPr>
+          </a:p>
+        </p:txBody>
+      </p:sp>
+      <p:pic>
+        <p:nvPicPr>
+          <p:cNvPr id="5" name="그림 4"/>
+          <p:cNvPicPr>
+            <a:picLocks noChangeAspect="1"/>
+          </p:cNvPicPr>
+          <p:nvPr/>
+        </p:nvPicPr>
+        <p:blipFill>
+          <a:blip r:embed="rId2">
+            <a:extLst>
+              <a:ext uri="{28A0092B-C50C-407E-A947-70E740481C1C}">
+                <a14:useLocalDpi xmlns:a14="http://schemas.microsoft.com/office/drawing/2010/main" val="0"/>
+              </a:ext>
+            </a:extLst>
+          </a:blip>
+          <a:stretch>
+            <a:fillRect/>
+          </a:stretch>
+        </p:blipFill>
+        <p:spPr>
+          <a:xfrm>
+            <a:off x="1496616" y="1993962"/>
+            <a:ext cx="5400600" cy="4377044"/>
+          </a:xfrm>
+          <a:prstGeom prst="rect">
+            <a:avLst/>
+          </a:prstGeom>
+          <a:ln>
+            <a:solidFill>
+              <a:schemeClr val="bg1">
+                <a:lumMod val="85000"/>
+              </a:schemeClr>
+            </a:solidFill>
+          </a:ln>
+        </p:spPr>
+      </p:pic>
+    </p:spTree>
+    <p:extLst>
+      <p:ext uri="{BB962C8B-B14F-4D97-AF65-F5344CB8AC3E}">
+        <p14:creationId xmlns:p14="http://schemas.microsoft.com/office/powerpoint/2010/main" val="3559468366"/>
+      </p:ext>
+    </p:extLst>
+  </p:cSld>
+  <p:clrMapOvr>
+    <a:masterClrMapping/>
+  </p:clrMapOvr>
+  <p:timing>
+    <p:tnLst>
+      <p:par>
+        <p:cTn id="1" dur="indefinite" restart="never" nodeType="tmRoot"/>
+      </p:par>
+    </p:tnLst>
+  </p:timing>
+</p:sld>
+</file>
+
 <file path=ppt/slides/slide2.xml><?xml version="1.0" encoding="utf-8"?>
 <p:sld xmlns:a="http://schemas.openxmlformats.org/drawingml/2006/main" xmlns:r="http://schemas.openxmlformats.org/officeDocument/2006/relationships" xmlns:p="http://schemas.openxmlformats.org/presentationml/2006/main">
   <p:cSld>
@@ -4429,11 +5993,7 @@
           <a:p>
             <a:r>
               <a:rPr lang="en-US" altLang="ko-KR" dirty="0"/>
-              <a:t> </a:t>
-            </a:r>
-            <a:r>
-              <a:rPr lang="en-US" altLang="ko-KR" dirty="0"/>
-              <a:t>T</a:t>
+              <a:t> T</a:t>
             </a:r>
             <a:r>
               <a:rPr lang="en-US" altLang="ko-KR" dirty="0" smtClean="0"/>
@@ -4796,11 +6356,7 @@
           <a:p>
             <a:r>
               <a:rPr lang="en-US" altLang="ko-KR" dirty="0"/>
-              <a:t> </a:t>
-            </a:r>
-            <a:r>
-              <a:rPr lang="en-US" altLang="ko-KR" dirty="0"/>
-              <a:t>Tesseract - OCR</a:t>
+              <a:t> Tesseract - OCR</a:t>
             </a:r>
             <a:endParaRPr lang="ko-KR" altLang="en-US" dirty="0"/>
           </a:p>
@@ -5095,11 +6651,7 @@
           <a:p>
             <a:r>
               <a:rPr lang="en-US" altLang="ko-KR" dirty="0"/>
-              <a:t> </a:t>
-            </a:r>
-            <a:r>
-              <a:rPr lang="en-US" altLang="ko-KR" dirty="0"/>
-              <a:t>Tesseract - OCR </a:t>
+              <a:t> Tesseract - OCR </a:t>
             </a:r>
             <a:endParaRPr lang="ko-KR" altLang="en-US" dirty="0"/>
           </a:p>
@@ -5347,11 +6899,7 @@
           <a:p>
             <a:r>
               <a:rPr lang="en-US" altLang="ko-KR" dirty="0"/>
-              <a:t> </a:t>
-            </a:r>
-            <a:r>
-              <a:rPr lang="en-US" altLang="ko-KR" dirty="0"/>
-              <a:t>Tesseract - OCR </a:t>
+              <a:t> Tesseract - OCR </a:t>
             </a:r>
             <a:endParaRPr lang="ko-KR" altLang="en-US" dirty="0"/>
           </a:p>
@@ -5451,14 +6999,7 @@
                 <a:latin typeface="휴먼엑스포" panose="02030504000101010101" pitchFamily="18" charset="-127"/>
                 <a:ea typeface="휴먼엑스포" panose="02030504000101010101" pitchFamily="18" charset="-127"/>
               </a:rPr>
-              <a:t>설치하기</a:t>
-            </a:r>
-            <a:r>
-              <a:rPr lang="ko-KR" altLang="en-US" sz="2000" dirty="0" smtClean="0">
-                <a:latin typeface="휴먼엑스포" panose="02030504000101010101" pitchFamily="18" charset="-127"/>
-                <a:ea typeface="휴먼엑스포" panose="02030504000101010101" pitchFamily="18" charset="-127"/>
-              </a:rPr>
-              <a:t> </a:t>
+              <a:t>설치하기 </a:t>
             </a:r>
             <a:endParaRPr lang="en-US" altLang="ko-KR" sz="2000" dirty="0" smtClean="0">
               <a:latin typeface="휴먼엑스포" panose="02030504000101010101" pitchFamily="18" charset="-127"/>
@@ -5724,11 +7265,7 @@
           <a:p>
             <a:r>
               <a:rPr lang="en-US" altLang="ko-KR" dirty="0"/>
-              <a:t> </a:t>
-            </a:r>
-            <a:r>
-              <a:rPr lang="en-US" altLang="ko-KR" dirty="0"/>
-              <a:t>Tesseract - OCR </a:t>
+              <a:t> Tesseract - OCR </a:t>
             </a:r>
             <a:endParaRPr lang="ko-KR" altLang="en-US" dirty="0"/>
           </a:p>
@@ -5944,11 +7481,7 @@
           <a:p>
             <a:r>
               <a:rPr lang="en-US" altLang="ko-KR" dirty="0"/>
-              <a:t> </a:t>
-            </a:r>
-            <a:r>
-              <a:rPr lang="en-US" altLang="ko-KR" dirty="0"/>
-              <a:t>Tesseract - OCR </a:t>
+              <a:t> Tesseract - OCR </a:t>
             </a:r>
             <a:endParaRPr lang="ko-KR" altLang="en-US" dirty="0"/>
           </a:p>
@@ -6048,14 +7581,7 @@
                 <a:latin typeface="휴먼엑스포" panose="02030504000101010101" pitchFamily="18" charset="-127"/>
                 <a:ea typeface="휴먼엑스포" panose="02030504000101010101" pitchFamily="18" charset="-127"/>
               </a:rPr>
-              <a:t>텍스트로 변환</a:t>
-            </a:r>
-            <a:r>
-              <a:rPr lang="ko-KR" altLang="en-US" sz="2000" dirty="0" smtClean="0">
-                <a:latin typeface="휴먼엑스포" panose="02030504000101010101" pitchFamily="18" charset="-127"/>
-                <a:ea typeface="휴먼엑스포" panose="02030504000101010101" pitchFamily="18" charset="-127"/>
-              </a:rPr>
-              <a:t> </a:t>
+              <a:t>텍스트로 변환 </a:t>
             </a:r>
             <a:endParaRPr lang="en-US" altLang="ko-KR" sz="2000" dirty="0" smtClean="0">
               <a:latin typeface="휴먼엑스포" panose="02030504000101010101" pitchFamily="18" charset="-127"/>
@@ -6340,11 +7866,7 @@
           <a:p>
             <a:r>
               <a:rPr lang="en-US" altLang="ko-KR" dirty="0"/>
-              <a:t> </a:t>
-            </a:r>
-            <a:r>
-              <a:rPr lang="en-US" altLang="ko-KR" dirty="0"/>
-              <a:t>Tesseract - OCR </a:t>
+              <a:t> Tesseract - OCR </a:t>
             </a:r>
             <a:endParaRPr lang="ko-KR" altLang="en-US" dirty="0"/>
           </a:p>
@@ -6434,7 +7956,7 @@
       </p:sp>
       <p:pic>
         <p:nvPicPr>
-          <p:cNvPr id="8" name="그림 7"/>
+          <p:cNvPr id="3" name="그림 2"/>
           <p:cNvPicPr>
             <a:picLocks noChangeAspect="1"/>
           </p:cNvPicPr>
@@ -6454,8 +7976,8 @@
         </p:blipFill>
         <p:spPr>
           <a:xfrm>
-            <a:off x="1122752" y="1916832"/>
-            <a:ext cx="8009314" cy="4480948"/>
+            <a:off x="1208584" y="2017281"/>
+            <a:ext cx="7978831" cy="4359018"/>
           </a:xfrm>
           <a:prstGeom prst="rect">
             <a:avLst/>
@@ -6557,11 +8079,7 @@
           <a:p>
             <a:r>
               <a:rPr lang="en-US" altLang="ko-KR" dirty="0"/>
-              <a:t> </a:t>
-            </a:r>
-            <a:r>
-              <a:rPr lang="en-US" altLang="ko-KR" dirty="0"/>
-              <a:t>Tesseract - OCR </a:t>
+              <a:t> Tesseract - OCR </a:t>
             </a:r>
             <a:endParaRPr lang="ko-KR" altLang="en-US" dirty="0"/>
           </a:p>
@@ -6640,14 +8158,7 @@
                 <a:latin typeface="휴먼엑스포" panose="02030504000101010101" pitchFamily="18" charset="-127"/>
                 <a:ea typeface="휴먼엑스포" panose="02030504000101010101" pitchFamily="18" charset="-127"/>
               </a:rPr>
-              <a:t>한글 글꼴 보완 파일 설치</a:t>
-            </a:r>
-            <a:r>
-              <a:rPr lang="ko-KR" altLang="en-US" sz="2000" dirty="0" smtClean="0">
-                <a:latin typeface="휴먼엑스포" panose="02030504000101010101" pitchFamily="18" charset="-127"/>
-                <a:ea typeface="휴먼엑스포" panose="02030504000101010101" pitchFamily="18" charset="-127"/>
-              </a:rPr>
-              <a:t> </a:t>
+              <a:t>한글 글꼴 보완 파일 설치 </a:t>
             </a:r>
             <a:endParaRPr lang="en-US" altLang="ko-KR" sz="2000" dirty="0" smtClean="0">
               <a:latin typeface="휴먼엑스포" panose="02030504000101010101" pitchFamily="18" charset="-127"/>
